--- a/ember-data-demo1.pptx
+++ b/ember-data-demo1.pptx
@@ -227,7 +227,7 @@
           <a:p>
             <a:fld id="{57EED1D9-A66D-844B-8F07-0D4A82D69F9B}" type="datetimeFigureOut">
               <a:rPr lang="en-US" smtClean="0"/>
-              <a:t>12/13/15</a:t>
+              <a:t>12/18/15</a:t>
             </a:fld>
             <a:endParaRPr lang="en-US"/>
           </a:p>
@@ -1557,11 +1557,7 @@
             </a:r>
             <a:r>
               <a:rPr lang="en-US" dirty="0" smtClean="0"/>
-              <a:t> </a:t>
-            </a:r>
-            <a:r>
-              <a:rPr lang="en-US" dirty="0" smtClean="0"/>
-              <a:t>ONLY</a:t>
+              <a:t> ONLY</a:t>
             </a:r>
           </a:p>
           <a:p>
@@ -3430,7 +3426,7 @@
           <a:p>
             <a:fld id="{66422C76-6836-2B42-82D1-C36E6A19E775}" type="datetimeFigureOut">
               <a:rPr lang="en-US" smtClean="0"/>
-              <a:t>12/13/15</a:t>
+              <a:t>12/18/15</a:t>
             </a:fld>
             <a:endParaRPr lang="en-US"/>
           </a:p>
@@ -3600,7 +3596,7 @@
           <a:p>
             <a:fld id="{66422C76-6836-2B42-82D1-C36E6A19E775}" type="datetimeFigureOut">
               <a:rPr lang="en-US" smtClean="0"/>
-              <a:t>12/13/15</a:t>
+              <a:t>12/18/15</a:t>
             </a:fld>
             <a:endParaRPr lang="en-US"/>
           </a:p>
@@ -3780,7 +3776,7 @@
           <a:p>
             <a:fld id="{66422C76-6836-2B42-82D1-C36E6A19E775}" type="datetimeFigureOut">
               <a:rPr lang="en-US" smtClean="0"/>
-              <a:t>12/13/15</a:t>
+              <a:t>12/18/15</a:t>
             </a:fld>
             <a:endParaRPr lang="en-US"/>
           </a:p>
@@ -3950,7 +3946,7 @@
           <a:p>
             <a:fld id="{66422C76-6836-2B42-82D1-C36E6A19E775}" type="datetimeFigureOut">
               <a:rPr lang="en-US" smtClean="0"/>
-              <a:t>12/13/15</a:t>
+              <a:t>12/18/15</a:t>
             </a:fld>
             <a:endParaRPr lang="en-US"/>
           </a:p>
@@ -4196,7 +4192,7 @@
           <a:p>
             <a:fld id="{66422C76-6836-2B42-82D1-C36E6A19E775}" type="datetimeFigureOut">
               <a:rPr lang="en-US" smtClean="0"/>
-              <a:t>12/13/15</a:t>
+              <a:t>12/18/15</a:t>
             </a:fld>
             <a:endParaRPr lang="en-US"/>
           </a:p>
@@ -4484,7 +4480,7 @@
           <a:p>
             <a:fld id="{66422C76-6836-2B42-82D1-C36E6A19E775}" type="datetimeFigureOut">
               <a:rPr lang="en-US" smtClean="0"/>
-              <a:t>12/13/15</a:t>
+              <a:t>12/18/15</a:t>
             </a:fld>
             <a:endParaRPr lang="en-US"/>
           </a:p>
@@ -4906,7 +4902,7 @@
           <a:p>
             <a:fld id="{66422C76-6836-2B42-82D1-C36E6A19E775}" type="datetimeFigureOut">
               <a:rPr lang="en-US" smtClean="0"/>
-              <a:t>12/13/15</a:t>
+              <a:t>12/18/15</a:t>
             </a:fld>
             <a:endParaRPr lang="en-US"/>
           </a:p>
@@ -5024,7 +5020,7 @@
           <a:p>
             <a:fld id="{66422C76-6836-2B42-82D1-C36E6A19E775}" type="datetimeFigureOut">
               <a:rPr lang="en-US" smtClean="0"/>
-              <a:t>12/13/15</a:t>
+              <a:t>12/18/15</a:t>
             </a:fld>
             <a:endParaRPr lang="en-US"/>
           </a:p>
@@ -5119,7 +5115,7 @@
           <a:p>
             <a:fld id="{66422C76-6836-2B42-82D1-C36E6A19E775}" type="datetimeFigureOut">
               <a:rPr lang="en-US" smtClean="0"/>
-              <a:t>12/13/15</a:t>
+              <a:t>12/18/15</a:t>
             </a:fld>
             <a:endParaRPr lang="en-US"/>
           </a:p>
@@ -5396,7 +5392,7 @@
           <a:p>
             <a:fld id="{66422C76-6836-2B42-82D1-C36E6A19E775}" type="datetimeFigureOut">
               <a:rPr lang="en-US" smtClean="0"/>
-              <a:t>12/13/15</a:t>
+              <a:t>12/18/15</a:t>
             </a:fld>
             <a:endParaRPr lang="en-US"/>
           </a:p>
@@ -5649,7 +5645,7 @@
           <a:p>
             <a:fld id="{66422C76-6836-2B42-82D1-C36E6A19E775}" type="datetimeFigureOut">
               <a:rPr lang="en-US" smtClean="0"/>
-              <a:t>12/13/15</a:t>
+              <a:t>12/18/15</a:t>
             </a:fld>
             <a:endParaRPr lang="en-US"/>
           </a:p>
@@ -5862,7 +5858,7 @@
           <a:p>
             <a:fld id="{66422C76-6836-2B42-82D1-C36E6A19E775}" type="datetimeFigureOut">
               <a:rPr lang="en-US" smtClean="0"/>
-              <a:t>12/13/15</a:t>
+              <a:t>12/18/15</a:t>
             </a:fld>
             <a:endParaRPr lang="en-US"/>
           </a:p>
@@ -6910,23 +6906,7 @@
                   <a:schemeClr val="bg1"/>
                 </a:solidFill>
               </a:rPr>
-              <a:t>    </a:t>
-            </a:r>
-            <a:r>
-              <a:rPr lang="en-US" dirty="0">
-                <a:solidFill>
-                  <a:schemeClr val="bg1"/>
-                </a:solidFill>
-              </a:rPr>
-              <a:t>]</a:t>
-            </a:r>
-            <a:r>
-              <a:rPr lang="en-US" dirty="0">
-                <a:solidFill>
-                  <a:schemeClr val="bg1"/>
-                </a:solidFill>
-              </a:rPr>
-              <a:t/>
+              <a:t>    ]</a:t>
             </a:r>
             <a:br>
               <a:rPr lang="en-US" dirty="0">
@@ -7430,13 +7410,8 @@
             </a:r>
             <a:r>
               <a:rPr lang="en-US" sz="2800" dirty="0" smtClean="0"/>
-              <a:t> used when none is </a:t>
-            </a:r>
-            <a:r>
-              <a:rPr lang="en-US" sz="2800" dirty="0" smtClean="0"/>
-              <a:t>defined</a:t>
-            </a:r>
-            <a:endParaRPr lang="en-US" sz="2800" dirty="0" smtClean="0"/>
+              <a:t> used when none is defined</a:t>
+            </a:r>
           </a:p>
         </p:txBody>
       </p:sp>
@@ -7987,11 +7962,7 @@
             </a:pPr>
             <a:r>
               <a:rPr lang="en-US" dirty="0" smtClean="0"/>
-              <a:t>Defines properties and </a:t>
-            </a:r>
-            <a:r>
-              <a:rPr lang="en-US" dirty="0" smtClean="0"/>
-              <a:t>behaviors</a:t>
+              <a:t>Defines properties and behaviors</a:t>
             </a:r>
           </a:p>
           <a:p>
@@ -8022,16 +7993,11 @@
               <a:rPr lang="en-US" dirty="0" smtClean="0"/>
               <a:t>Relationships</a:t>
             </a:r>
-            <a:endParaRPr lang="en-US" dirty="0" smtClean="0"/>
           </a:p>
           <a:p>
             <a:r>
               <a:rPr lang="en-US" dirty="0" smtClean="0"/>
-              <a:t>Computed </a:t>
-            </a:r>
-            <a:r>
-              <a:rPr lang="en-US" dirty="0" smtClean="0"/>
-              <a:t>properties</a:t>
+              <a:t>Computed properties</a:t>
             </a:r>
           </a:p>
           <a:p>
@@ -9123,7 +9089,6 @@
               <a:rPr lang="en-US" sz="2000" dirty="0" smtClean="0"/>
               <a:t>}</a:t>
             </a:r>
-            <a:endParaRPr lang="en-US" sz="2000" dirty="0" smtClean="0"/>
           </a:p>
         </p:txBody>
       </p:sp>
@@ -11412,19 +11377,7 @@
           <a:p>
             <a:r>
               <a:rPr lang="en-US" sz="2400" dirty="0"/>
-              <a:t>{ </a:t>
-            </a:r>
-            <a:r>
-              <a:rPr lang="en-US" sz="2400" dirty="0"/>
-              <a:t>"id"</a:t>
-            </a:r>
-            <a:r>
-              <a:rPr lang="en-US" sz="2400" dirty="0"/>
-              <a:t>: </a:t>
-            </a:r>
-            <a:r>
-              <a:rPr lang="en-US" sz="2400" dirty="0"/>
-              <a:t>"a1", "</a:t>
+              <a:t>{ "id": "a1", "</a:t>
             </a:r>
             <a:r>
               <a:rPr lang="en-US" sz="2400" dirty="0" err="1"/>
@@ -11432,15 +11385,7 @@
             </a:r>
             <a:r>
               <a:rPr lang="en-US" sz="2400" dirty="0"/>
-              <a:t>"</a:t>
-            </a:r>
-            <a:r>
-              <a:rPr lang="en-US" sz="2400" dirty="0"/>
-              <a:t>: </a:t>
-            </a:r>
-            <a:r>
-              <a:rPr lang="en-US" sz="2400" dirty="0"/>
-              <a:t>"Brian", "</a:t>
+              <a:t>": "Brian", "</a:t>
             </a:r>
             <a:r>
               <a:rPr lang="en-US" sz="2400" dirty="0" err="1"/>
@@ -11448,42 +11393,14 @@
             </a:r>
             <a:r>
               <a:rPr lang="en-US" sz="2400" dirty="0"/>
-              <a:t>"</a:t>
-            </a:r>
-            <a:r>
-              <a:rPr lang="en-US" sz="2400" dirty="0"/>
-              <a:t>: </a:t>
-            </a:r>
-            <a:r>
-              <a:rPr lang="en-US" sz="2400" dirty="0"/>
-              <a:t>"Gantzler" </a:t>
-            </a:r>
-            <a:r>
-              <a:rPr lang="en-US" sz="2400" dirty="0"/>
-              <a:t>}</a:t>
-            </a:r>
-            <a:r>
-              <a:rPr lang="en-US" sz="2400" dirty="0"/>
-              <a:t>,</a:t>
+              <a:t>": "Gantzler" },</a:t>
             </a:r>
             <a:br>
               <a:rPr lang="en-US" sz="2400" dirty="0"/>
             </a:br>
             <a:r>
               <a:rPr lang="en-US" sz="2400" dirty="0"/>
-              <a:t>{ </a:t>
-            </a:r>
-            <a:r>
-              <a:rPr lang="en-US" sz="2400" dirty="0"/>
-              <a:t>"id"</a:t>
-            </a:r>
-            <a:r>
-              <a:rPr lang="en-US" sz="2400" dirty="0"/>
-              <a:t>: </a:t>
-            </a:r>
-            <a:r>
-              <a:rPr lang="en-US" sz="2400" dirty="0"/>
-              <a:t>"a2", "</a:t>
+              <a:t>{ "id": "a2", "</a:t>
             </a:r>
             <a:r>
               <a:rPr lang="en-US" sz="2400" dirty="0" err="1"/>
@@ -11491,15 +11408,7 @@
             </a:r>
             <a:r>
               <a:rPr lang="en-US" sz="2400" dirty="0"/>
-              <a:t>"</a:t>
-            </a:r>
-            <a:r>
-              <a:rPr lang="en-US" sz="2400" dirty="0"/>
-              <a:t>: </a:t>
-            </a:r>
-            <a:r>
-              <a:rPr lang="en-US" sz="2400" dirty="0"/>
-              <a:t>"Roger", "</a:t>
+              <a:t>": "Roger", "</a:t>
             </a:r>
             <a:r>
               <a:rPr lang="en-US" sz="2400" dirty="0" err="1"/>
@@ -11507,15 +11416,7 @@
             </a:r>
             <a:r>
               <a:rPr lang="en-US" sz="2400" dirty="0"/>
-              <a:t>"</a:t>
-            </a:r>
-            <a:r>
-              <a:rPr lang="en-US" sz="2400" dirty="0"/>
-              <a:t>: </a:t>
-            </a:r>
-            <a:r>
-              <a:rPr lang="en-US" sz="2400" dirty="0"/>
-              <a:t>"</a:t>
+              <a:t>": "</a:t>
             </a:r>
             <a:r>
               <a:rPr lang="en-US" sz="2400" dirty="0" err="1"/>
@@ -11633,11 +11534,7 @@
           <a:p>
             <a:r>
               <a:rPr lang="en-US" dirty="0" smtClean="0"/>
-              <a:t>Book </a:t>
-            </a:r>
-            <a:r>
-              <a:rPr lang="en-US" dirty="0" smtClean="0"/>
-              <a:t>Model with Author</a:t>
+              <a:t>Book Model with Author</a:t>
             </a:r>
             <a:endParaRPr lang="en-US" dirty="0"/>
           </a:p>
@@ -13036,15 +12933,7 @@
           <a:p>
             <a:r>
               <a:rPr lang="en-US" dirty="0" smtClean="0"/>
-              <a:t>Ids </a:t>
-            </a:r>
-            <a:r>
-              <a:rPr lang="en-US" dirty="0" smtClean="0"/>
-              <a:t>– the id of the model is sent / </a:t>
-            </a:r>
-            <a:r>
-              <a:rPr lang="en-US" dirty="0" smtClean="0"/>
-              <a:t>received</a:t>
+              <a:t>Ids – the id of the model is sent / received</a:t>
             </a:r>
           </a:p>
           <a:p>
@@ -13066,11 +12955,7 @@
             </a:r>
             <a:r>
               <a:rPr lang="en-US" dirty="0" smtClean="0"/>
-              <a:t>ecords – the model is sent / </a:t>
-            </a:r>
-            <a:r>
-              <a:rPr lang="en-US" dirty="0" smtClean="0"/>
-              <a:t>received</a:t>
+              <a:t>ecords – the model is sent / received</a:t>
             </a:r>
           </a:p>
           <a:p>
@@ -13096,11 +12981,7 @@
             </a:r>
             <a:r>
               <a:rPr lang="en-US" dirty="0" smtClean="0"/>
-              <a:t>alse – the attribute is not sent / </a:t>
-            </a:r>
-            <a:r>
-              <a:rPr lang="en-US" dirty="0" smtClean="0"/>
-              <a:t>received</a:t>
+              <a:t>alse – the attribute is not sent / received</a:t>
             </a:r>
           </a:p>
           <a:p>
@@ -14684,13 +14565,8 @@
             </a:pPr>
             <a:r>
               <a:rPr lang="en-US" sz="2000" dirty="0" smtClean="0"/>
-              <a:t>Snapshot </a:t>
-            </a:r>
-            <a:r>
-              <a:rPr lang="en-US" sz="2000" dirty="0" smtClean="0"/>
-              <a:t>is a copy of the record that you can inspect without side effects </a:t>
-            </a:r>
-            <a:endParaRPr lang="en-US" sz="2000" dirty="0" smtClean="0"/>
+              <a:t>Snapshot is a copy of the record that you can inspect without side effects </a:t>
+            </a:r>
           </a:p>
           <a:p>
             <a:pPr marL="0" indent="0">
@@ -14698,11 +14574,7 @@
             </a:pPr>
             <a:r>
               <a:rPr lang="en-US" sz="2000" dirty="0" smtClean="0"/>
-              <a:t>( ex. relationships </a:t>
-            </a:r>
-            <a:r>
-              <a:rPr lang="en-US" sz="2000" dirty="0" smtClean="0"/>
-              <a:t>)</a:t>
+              <a:t>( ex. relationships )</a:t>
             </a:r>
             <a:endParaRPr lang="en-US" sz="2000" dirty="0"/>
           </a:p>
@@ -15858,7 +15730,7 @@
               <a:t>states?capital</a:t>
             </a:r>
             <a:r>
-              <a:rPr lang="en-US" sz="1700" dirty="0">
+              <a:rPr lang="en-US" sz="1700" dirty="0" smtClean="0">
                 <a:solidFill>
                   <a:srgbClr val="808080"/>
                 </a:solidFill>
@@ -15867,13 +15739,13 @@
               <a:t>=</a:t>
             </a:r>
             <a:r>
-              <a:rPr lang="en-US" sz="1700" dirty="0" err="1">
+              <a:rPr lang="en-US" sz="1700" dirty="0" err="1" smtClean="0">
                 <a:solidFill>
                   <a:srgbClr val="808080"/>
                 </a:solidFill>
                 <a:latin typeface="Menlo"/>
               </a:rPr>
-              <a:t>javascript</a:t>
+              <a:t>columbus</a:t>
             </a:r>
             <a:r>
               <a:rPr lang="en-US" sz="1700" dirty="0">
@@ -16241,11 +16113,7 @@
             </a:pPr>
             <a:r>
               <a:rPr lang="en-US" dirty="0" smtClean="0"/>
-              <a:t>Records </a:t>
-            </a:r>
-            <a:r>
-              <a:rPr lang="en-US" dirty="0" smtClean="0"/>
-              <a:t>are visible in the store after create</a:t>
+              <a:t>Records are visible in the store after create</a:t>
             </a:r>
             <a:endParaRPr lang="en-US" dirty="0"/>
           </a:p>
@@ -16990,21 +16858,8 @@
             </a:pPr>
             <a:r>
               <a:rPr lang="en-US" sz="2400" dirty="0" smtClean="0"/>
-              <a:t>All </a:t>
-            </a:r>
-            <a:r>
-              <a:rPr lang="en-US" sz="2400" dirty="0" smtClean="0"/>
-              <a:t>changes </a:t>
-            </a:r>
-            <a:r>
-              <a:rPr lang="en-US" sz="2400" dirty="0" smtClean="0"/>
-              <a:t>are visible in the </a:t>
-            </a:r>
-            <a:r>
-              <a:rPr lang="en-US" sz="2400" dirty="0" smtClean="0"/>
-              <a:t>store</a:t>
-            </a:r>
-            <a:endParaRPr lang="en-US" sz="2400" dirty="0" smtClean="0"/>
+              <a:t>All changes are visible in the store</a:t>
+            </a:r>
           </a:p>
         </p:txBody>
       </p:sp>
@@ -17642,11 +17497,7 @@
             </a:pPr>
             <a:r>
               <a:rPr lang="en-US" sz="2400" dirty="0" smtClean="0"/>
-              <a:t>Records </a:t>
-            </a:r>
-            <a:r>
-              <a:rPr lang="en-US" sz="2400" dirty="0" smtClean="0"/>
-              <a:t>are still visible in the store</a:t>
+              <a:t>Records are still visible in the store</a:t>
             </a:r>
             <a:endParaRPr lang="en-US" sz="2400" dirty="0"/>
           </a:p>
@@ -21405,7 +21256,6 @@
               <a:rPr lang="en-US" sz="4000" dirty="0" smtClean="0"/>
               <a:t>Translates the API content</a:t>
             </a:r>
-            <a:endParaRPr lang="en-US" sz="4000" dirty="0" smtClean="0"/>
           </a:p>
         </p:txBody>
       </p:sp>
